--- a/Where-Clause Optimization.pptx
+++ b/Where-Clause Optimization.pptx
@@ -104,6 +104,11 @@
       </a:defRPr>
     </a:lvl9pPr>
   </p:defaultTextStyle>
+  <p:extLst>
+    <p:ext uri="{EFAFB233-063F-42B5-8137-9DF3F51BA10A}">
+      <p15:sldGuideLst xmlns:p15="http://schemas.microsoft.com/office/powerpoint/2012/main"/>
+    </p:ext>
+  </p:extLst>
 </p:presentation>
 </file>
 
@@ -3379,38 +3384,6 @@
           </a:p>
         </p:txBody>
       </p:sp>
-      <p:pic>
-        <p:nvPicPr>
-          <p:cNvPr id="5" name="Content Placeholder 4">
-            <a:extLst>
-              <a:ext uri="{FF2B5EF4-FFF2-40B4-BE49-F238E27FC236}">
-                <a16:creationId xmlns:a16="http://schemas.microsoft.com/office/drawing/2014/main" id="{A2D88DFA-4375-F396-40DA-7B4BC64E2879}"/>
-              </a:ext>
-            </a:extLst>
-          </p:cNvPr>
-          <p:cNvPicPr>
-            <a:picLocks noGrp="1" noChangeAspect="1"/>
-          </p:cNvPicPr>
-          <p:nvPr>
-            <p:ph idx="1"/>
-          </p:nvPr>
-        </p:nvPicPr>
-        <p:blipFill>
-          <a:blip r:embed="rId2"/>
-          <a:stretch>
-            <a:fillRect/>
-          </a:stretch>
-        </p:blipFill>
-        <p:spPr>
-          <a:xfrm>
-            <a:off x="7426369" y="1576787"/>
-            <a:ext cx="3820058" cy="1305107"/>
-          </a:xfrm>
-          <a:prstGeom prst="rect">
-            <a:avLst/>
-          </a:prstGeom>
-        </p:spPr>
-      </p:pic>
       <p:graphicFrame>
         <p:nvGraphicFramePr>
           <p:cNvPr id="7" name="Table 6">
@@ -4250,10 +4223,10 @@
       </p:graphicFrame>
       <p:pic>
         <p:nvPicPr>
-          <p:cNvPr id="9" name="Picture 8">
-            <a:extLst>
-              <a:ext uri="{FF2B5EF4-FFF2-40B4-BE49-F238E27FC236}">
-                <a16:creationId xmlns:a16="http://schemas.microsoft.com/office/drawing/2014/main" id="{39CE37D5-510E-1B35-5FBC-10F8949CA873}"/>
+          <p:cNvPr id="8" name="Picture 7">
+            <a:extLst>
+              <a:ext uri="{FF2B5EF4-FFF2-40B4-BE49-F238E27FC236}">
+                <a16:creationId xmlns:a16="http://schemas.microsoft.com/office/drawing/2014/main" id="{62232076-2989-9B3C-A813-845927DF7D81}"/>
               </a:ext>
             </a:extLst>
           </p:cNvPr>
@@ -4263,47 +4236,15 @@
           <p:nvPr/>
         </p:nvPicPr>
         <p:blipFill>
-          <a:blip r:embed="rId3"/>
-          <a:srcRect r="1716" b="3521"/>
+          <a:blip r:embed="rId2"/>
           <a:stretch>
             <a:fillRect/>
           </a:stretch>
         </p:blipFill>
         <p:spPr>
           <a:xfrm>
-            <a:off x="7426369" y="3232867"/>
-            <a:ext cx="3820058" cy="1305107"/>
-          </a:xfrm>
-          <a:prstGeom prst="rect">
-            <a:avLst/>
-          </a:prstGeom>
-        </p:spPr>
-      </p:pic>
-      <p:pic>
-        <p:nvPicPr>
-          <p:cNvPr id="11" name="Picture 10">
-            <a:extLst>
-              <a:ext uri="{FF2B5EF4-FFF2-40B4-BE49-F238E27FC236}">
-                <a16:creationId xmlns:a16="http://schemas.microsoft.com/office/drawing/2014/main" id="{C2030D33-B1FF-CA87-D34A-311B096882D7}"/>
-              </a:ext>
-            </a:extLst>
-          </p:cNvPr>
-          <p:cNvPicPr>
-            <a:picLocks noChangeAspect="1"/>
-          </p:cNvPicPr>
-          <p:nvPr/>
-        </p:nvPicPr>
-        <p:blipFill>
-          <a:blip r:embed="rId4"/>
-          <a:srcRect r="3837" b="5517"/>
-          <a:stretch>
-            <a:fillRect/>
-          </a:stretch>
-        </p:blipFill>
-        <p:spPr>
-          <a:xfrm>
-            <a:off x="7426369" y="4888947"/>
-            <a:ext cx="3820058" cy="1305107"/>
+            <a:off x="7486110" y="2771683"/>
+            <a:ext cx="3867690" cy="1314633"/>
           </a:xfrm>
           <a:prstGeom prst="rect">
             <a:avLst/>
@@ -4639,6 +4580,23 @@
 </file>
 
 <file path=customXml/item1.xml><?xml version="1.0" encoding="utf-8"?>
+<p:properties xmlns:p="http://schemas.microsoft.com/office/2006/metadata/properties" xmlns:xsi="http://www.w3.org/2001/XMLSchema-instance" xmlns:pc="http://schemas.microsoft.com/office/infopath/2007/PartnerControls">
+  <documentManagement>
+    <_activity xmlns="a82b4f07-0289-48ee-b88c-e1276eaf8830" xsi:nil="true"/>
+  </documentManagement>
+</p:properties>
+</file>
+
+<file path=customXml/item2.xml><?xml version="1.0" encoding="utf-8"?>
+<?mso-contentType ?>
+<FormTemplates xmlns="http://schemas.microsoft.com/sharepoint/v3/contenttype/forms">
+  <Display>DocumentLibraryForm</Display>
+  <Edit>DocumentLibraryForm</Edit>
+  <New>DocumentLibraryForm</New>
+</FormTemplates>
+</file>
+
+<file path=customXml/item3.xml><?xml version="1.0" encoding="utf-8"?>
 <ct:contentTypeSchema xmlns:ct="http://schemas.microsoft.com/office/2006/metadata/contentType" xmlns:ma="http://schemas.microsoft.com/office/2006/metadata/properties/metaAttributes" ct:_="" ma:_="" ma:contentTypeName="Dokument" ma:contentTypeID="0x010100DF1B2AA65FE3DD45AFA897EAF96B1F70" ma:contentTypeVersion="16" ma:contentTypeDescription="Ein neues Dokument erstellen." ma:contentTypeScope="" ma:versionID="93a8e0edfe4d4f9539dbd3a71aa880f5">
   <xsd:schema xmlns:xsd="http://www.w3.org/2001/XMLSchema" xmlns:xs="http://www.w3.org/2001/XMLSchema" xmlns:p="http://schemas.microsoft.com/office/2006/metadata/properties" xmlns:ns3="a82b4f07-0289-48ee-b88c-e1276eaf8830" xmlns:ns4="010484f2-6105-45b3-a3c6-f699d433655f" targetNamespace="http://schemas.microsoft.com/office/2006/metadata/properties" ma:root="true" ma:fieldsID="eefc3e0c29b90ffb6c457e0a5ab51662" ns3:_="" ns4:_="">
     <xsd:import namespace="a82b4f07-0289-48ee-b88c-e1276eaf8830"/>
@@ -4877,24 +4835,32 @@
 </ct:contentTypeSchema>
 </file>
 
-<file path=customXml/item2.xml><?xml version="1.0" encoding="utf-8"?>
-<?mso-contentType ?>
-<FormTemplates xmlns="http://schemas.microsoft.com/sharepoint/v3/contenttype/forms">
-  <Display>DocumentLibraryForm</Display>
-  <Edit>DocumentLibraryForm</Edit>
-  <New>DocumentLibraryForm</New>
-</FormTemplates>
+<file path=customXml/itemProps1.xml><?xml version="1.0" encoding="utf-8"?>
+<ds:datastoreItem xmlns:ds="http://schemas.openxmlformats.org/officeDocument/2006/customXml" ds:itemID="{3FEEFF03-7E2F-44A6-9DAE-94C396FC75DE}">
+  <ds:schemaRefs>
+    <ds:schemaRef ds:uri="a82b4f07-0289-48ee-b88c-e1276eaf8830"/>
+    <ds:schemaRef ds:uri="http://schemas.microsoft.com/office/2006/metadata/properties"/>
+    <ds:schemaRef ds:uri="http://purl.org/dc/terms/"/>
+    <ds:schemaRef ds:uri="http://schemas.microsoft.com/office/infopath/2007/PartnerControls"/>
+    <ds:schemaRef ds:uri="http://schemas.microsoft.com/office/2006/documentManagement/types"/>
+    <ds:schemaRef ds:uri="http://purl.org/dc/elements/1.1/"/>
+    <ds:schemaRef ds:uri="http://schemas.openxmlformats.org/package/2006/metadata/core-properties"/>
+    <ds:schemaRef ds:uri="010484f2-6105-45b3-a3c6-f699d433655f"/>
+    <ds:schemaRef ds:uri="http://www.w3.org/XML/1998/namespace"/>
+    <ds:schemaRef ds:uri="http://purl.org/dc/dcmitype/"/>
+  </ds:schemaRefs>
+</ds:datastoreItem>
 </file>
 
-<file path=customXml/item3.xml><?xml version="1.0" encoding="utf-8"?>
-<p:properties xmlns:p="http://schemas.microsoft.com/office/2006/metadata/properties" xmlns:xsi="http://www.w3.org/2001/XMLSchema-instance" xmlns:pc="http://schemas.microsoft.com/office/infopath/2007/PartnerControls">
-  <documentManagement>
-    <_activity xmlns="a82b4f07-0289-48ee-b88c-e1276eaf8830" xsi:nil="true"/>
-  </documentManagement>
-</p:properties>
+<file path=customXml/itemProps2.xml><?xml version="1.0" encoding="utf-8"?>
+<ds:datastoreItem xmlns:ds="http://schemas.openxmlformats.org/officeDocument/2006/customXml" ds:itemID="{D484196A-37AA-465A-90C3-5C2DF72914C4}">
+  <ds:schemaRefs>
+    <ds:schemaRef ds:uri="http://schemas.microsoft.com/sharepoint/v3/contenttype/forms"/>
+  </ds:schemaRefs>
+</ds:datastoreItem>
 </file>
 
-<file path=customXml/itemProps1.xml><?xml version="1.0" encoding="utf-8"?>
+<file path=customXml/itemProps3.xml><?xml version="1.0" encoding="utf-8"?>
 <ds:datastoreItem xmlns:ds="http://schemas.openxmlformats.org/officeDocument/2006/customXml" ds:itemID="{69611B6D-2756-4D8F-83B4-2F7A31DD8E69}">
   <ds:schemaRefs>
     <ds:schemaRef ds:uri="http://schemas.microsoft.com/office/2006/metadata/contentType"/>
@@ -4911,29 +4877,4 @@
     <ds:schemaRef ds:uri="http://schemas.microsoft.com/internal/obd"/>
   </ds:schemaRefs>
 </ds:datastoreItem>
-</file>
-
-<file path=customXml/itemProps2.xml><?xml version="1.0" encoding="utf-8"?>
-<ds:datastoreItem xmlns:ds="http://schemas.openxmlformats.org/officeDocument/2006/customXml" ds:itemID="{D484196A-37AA-465A-90C3-5C2DF72914C4}">
-  <ds:schemaRefs>
-    <ds:schemaRef ds:uri="http://schemas.microsoft.com/sharepoint/v3/contenttype/forms"/>
-  </ds:schemaRefs>
-</ds:datastoreItem>
-</file>
-
-<file path=customXml/itemProps3.xml><?xml version="1.0" encoding="utf-8"?>
-<ds:datastoreItem xmlns:ds="http://schemas.openxmlformats.org/officeDocument/2006/customXml" ds:itemID="{3FEEFF03-7E2F-44A6-9DAE-94C396FC75DE}">
-  <ds:schemaRefs>
-    <ds:schemaRef ds:uri="a82b4f07-0289-48ee-b88c-e1276eaf8830"/>
-    <ds:schemaRef ds:uri="http://schemas.microsoft.com/office/2006/metadata/properties"/>
-    <ds:schemaRef ds:uri="http://purl.org/dc/terms/"/>
-    <ds:schemaRef ds:uri="http://schemas.microsoft.com/office/infopath/2007/PartnerControls"/>
-    <ds:schemaRef ds:uri="http://schemas.microsoft.com/office/2006/documentManagement/types"/>
-    <ds:schemaRef ds:uri="http://purl.org/dc/elements/1.1/"/>
-    <ds:schemaRef ds:uri="http://schemas.openxmlformats.org/package/2006/metadata/core-properties"/>
-    <ds:schemaRef ds:uri="010484f2-6105-45b3-a3c6-f699d433655f"/>
-    <ds:schemaRef ds:uri="http://www.w3.org/XML/1998/namespace"/>
-    <ds:schemaRef ds:uri="http://purl.org/dc/dcmitype/"/>
-  </ds:schemaRefs>
-</ds:datastoreItem>
 </file>